--- a/同一性认定.pptx
+++ b/同一性认定.pptx
@@ -207,7 +207,7 @@
           <a:p>
             <a:fld id="{5155105D-EFE4-0D44-9760-E704B7C5C518}" type="datetimeFigureOut">
               <a:rPr kumimoji="1" lang="zh-CN" altLang="en-US" smtClean="0"/>
-              <a:t>2017/8/21</a:t>
+              <a:t>2017/10/21</a:t>
             </a:fld>
             <a:endParaRPr kumimoji="1" lang="zh-CN" altLang="en-US"/>
           </a:p>
@@ -606,7 +606,7 @@
           <a:p>
             <a:fld id="{EE0E7779-9466-214F-AC25-2AE0A6AD10DF}" type="datetimeFigureOut">
               <a:rPr kumimoji="1" lang="zh-CN" altLang="en-US" smtClean="0"/>
-              <a:t>2017/8/21</a:t>
+              <a:t>2017/10/21</a:t>
             </a:fld>
             <a:endParaRPr kumimoji="1" lang="zh-CN" altLang="en-US"/>
           </a:p>
@@ -776,7 +776,7 @@
           <a:p>
             <a:fld id="{EE0E7779-9466-214F-AC25-2AE0A6AD10DF}" type="datetimeFigureOut">
               <a:rPr kumimoji="1" lang="zh-CN" altLang="en-US" smtClean="0"/>
-              <a:t>2017/8/21</a:t>
+              <a:t>2017/10/21</a:t>
             </a:fld>
             <a:endParaRPr kumimoji="1" lang="zh-CN" altLang="en-US"/>
           </a:p>
@@ -956,7 +956,7 @@
           <a:p>
             <a:fld id="{EE0E7779-9466-214F-AC25-2AE0A6AD10DF}" type="datetimeFigureOut">
               <a:rPr kumimoji="1" lang="zh-CN" altLang="en-US" smtClean="0"/>
-              <a:t>2017/8/21</a:t>
+              <a:t>2017/10/21</a:t>
             </a:fld>
             <a:endParaRPr kumimoji="1" lang="zh-CN" altLang="en-US"/>
           </a:p>
@@ -1126,7 +1126,7 @@
           <a:p>
             <a:fld id="{EE0E7779-9466-214F-AC25-2AE0A6AD10DF}" type="datetimeFigureOut">
               <a:rPr kumimoji="1" lang="zh-CN" altLang="en-US" smtClean="0"/>
-              <a:t>2017/8/21</a:t>
+              <a:t>2017/10/21</a:t>
             </a:fld>
             <a:endParaRPr kumimoji="1" lang="zh-CN" altLang="en-US"/>
           </a:p>
@@ -1372,7 +1372,7 @@
           <a:p>
             <a:fld id="{EE0E7779-9466-214F-AC25-2AE0A6AD10DF}" type="datetimeFigureOut">
               <a:rPr kumimoji="1" lang="zh-CN" altLang="en-US" smtClean="0"/>
-              <a:t>2017/8/21</a:t>
+              <a:t>2017/10/21</a:t>
             </a:fld>
             <a:endParaRPr kumimoji="1" lang="zh-CN" altLang="en-US"/>
           </a:p>
@@ -1604,7 +1604,7 @@
           <a:p>
             <a:fld id="{EE0E7779-9466-214F-AC25-2AE0A6AD10DF}" type="datetimeFigureOut">
               <a:rPr kumimoji="1" lang="zh-CN" altLang="en-US" smtClean="0"/>
-              <a:t>2017/8/21</a:t>
+              <a:t>2017/10/21</a:t>
             </a:fld>
             <a:endParaRPr kumimoji="1" lang="zh-CN" altLang="en-US"/>
           </a:p>
@@ -1971,7 +1971,7 @@
           <a:p>
             <a:fld id="{EE0E7779-9466-214F-AC25-2AE0A6AD10DF}" type="datetimeFigureOut">
               <a:rPr kumimoji="1" lang="zh-CN" altLang="en-US" smtClean="0"/>
-              <a:t>2017/8/21</a:t>
+              <a:t>2017/10/21</a:t>
             </a:fld>
             <a:endParaRPr kumimoji="1" lang="zh-CN" altLang="en-US"/>
           </a:p>
@@ -2089,7 +2089,7 @@
           <a:p>
             <a:fld id="{EE0E7779-9466-214F-AC25-2AE0A6AD10DF}" type="datetimeFigureOut">
               <a:rPr kumimoji="1" lang="zh-CN" altLang="en-US" smtClean="0"/>
-              <a:t>2017/8/21</a:t>
+              <a:t>2017/10/21</a:t>
             </a:fld>
             <a:endParaRPr kumimoji="1" lang="zh-CN" altLang="en-US"/>
           </a:p>
@@ -2184,7 +2184,7 @@
           <a:p>
             <a:fld id="{EE0E7779-9466-214F-AC25-2AE0A6AD10DF}" type="datetimeFigureOut">
               <a:rPr kumimoji="1" lang="zh-CN" altLang="en-US" smtClean="0"/>
-              <a:t>2017/8/21</a:t>
+              <a:t>2017/10/21</a:t>
             </a:fld>
             <a:endParaRPr kumimoji="1" lang="zh-CN" altLang="en-US"/>
           </a:p>
@@ -2461,7 +2461,7 @@
           <a:p>
             <a:fld id="{EE0E7779-9466-214F-AC25-2AE0A6AD10DF}" type="datetimeFigureOut">
               <a:rPr kumimoji="1" lang="zh-CN" altLang="en-US" smtClean="0"/>
-              <a:t>2017/8/21</a:t>
+              <a:t>2017/10/21</a:t>
             </a:fld>
             <a:endParaRPr kumimoji="1" lang="zh-CN" altLang="en-US"/>
           </a:p>
@@ -2714,7 +2714,7 @@
           <a:p>
             <a:fld id="{EE0E7779-9466-214F-AC25-2AE0A6AD10DF}" type="datetimeFigureOut">
               <a:rPr kumimoji="1" lang="zh-CN" altLang="en-US" smtClean="0"/>
-              <a:t>2017/8/21</a:t>
+              <a:t>2017/10/21</a:t>
             </a:fld>
             <a:endParaRPr kumimoji="1" lang="zh-CN" altLang="en-US"/>
           </a:p>
@@ -2927,7 +2927,7 @@
           <a:p>
             <a:fld id="{EE0E7779-9466-214F-AC25-2AE0A6AD10DF}" type="datetimeFigureOut">
               <a:rPr kumimoji="1" lang="zh-CN" altLang="en-US" smtClean="0"/>
-              <a:t>2017/8/21</a:t>
+              <a:t>2017/10/21</a:t>
             </a:fld>
             <a:endParaRPr kumimoji="1" lang="zh-CN" altLang="en-US"/>
           </a:p>
@@ -3590,8 +3590,8 @@
           </a:prstGeom>
         </p:spPr>
       </p:pic>
-      <mc:AlternateContent xmlns:mc="http://schemas.openxmlformats.org/markup-compatibility/2006">
-        <mc:Choice xmlns:a14="http://schemas.microsoft.com/office/drawing/2010/main" Requires="a14">
+      <mc:AlternateContent xmlns:mc="http://schemas.openxmlformats.org/markup-compatibility/2006" xmlns:a14="http://schemas.microsoft.com/office/drawing/2010/main">
+        <mc:Choice Requires="a14">
           <p:sp>
             <p:nvSpPr>
               <p:cNvPr id="5" name="文本框 4"/>
@@ -3739,7 +3739,7 @@
             </p:txBody>
           </p:sp>
         </mc:Choice>
-        <mc:Fallback>
+        <mc:Fallback xmlns="">
           <p:sp>
             <p:nvSpPr>
               <p:cNvPr id="5" name="文本框 4"/>
@@ -4312,8 +4312,8 @@
           </a:p>
         </p:txBody>
       </p:sp>
-      <mc:AlternateContent xmlns:mc="http://schemas.openxmlformats.org/markup-compatibility/2006">
-        <mc:Choice xmlns:a14="http://schemas.microsoft.com/office/drawing/2010/main" Requires="a14">
+      <mc:AlternateContent xmlns:mc="http://schemas.openxmlformats.org/markup-compatibility/2006" xmlns:a14="http://schemas.microsoft.com/office/drawing/2010/main">
+        <mc:Choice Requires="a14">
           <p:sp>
             <p:nvSpPr>
               <p:cNvPr id="3" name="内容占位符 2"/>
@@ -4749,7 +4749,7 @@
             </p:txBody>
           </p:sp>
         </mc:Choice>
-        <mc:Fallback>
+        <mc:Fallback xmlns="">
           <p:sp>
             <p:nvSpPr>
               <p:cNvPr id="3" name="内容占位符 2"/>
@@ -5365,13 +5365,7 @@
               <a:rPr kumimoji="1" lang="en-US" altLang="zh-CN" sz="3200" dirty="0" smtClean="0">
                 <a:latin typeface="+mj-lt"/>
               </a:rPr>
-              <a:t>Siamese </a:t>
-            </a:r>
-            <a:r>
-              <a:rPr kumimoji="1" lang="en-US" altLang="zh-CN" sz="3200" dirty="0" smtClean="0">
-                <a:latin typeface="+mj-lt"/>
-              </a:rPr>
-              <a:t>Network</a:t>
+              <a:t>Siamese Network</a:t>
             </a:r>
           </a:p>
           <a:p>
@@ -5379,16 +5373,11 @@
               <a:rPr kumimoji="1" lang="en-US" altLang="zh-CN" dirty="0" smtClean="0"/>
               <a:t> </a:t>
             </a:r>
-            <a:endParaRPr kumimoji="1" lang="en-US" altLang="zh-CN" dirty="0" smtClean="0"/>
           </a:p>
           <a:p>
             <a:r>
               <a:rPr kumimoji="1" lang="zh-CN" altLang="en-US" dirty="0" smtClean="0"/>
-              <a:t>将</a:t>
-            </a:r>
-            <a:r>
-              <a:rPr kumimoji="1" lang="zh-CN" altLang="en-US" dirty="0" smtClean="0"/>
-              <a:t>数据</a:t>
+              <a:t>将数据</a:t>
             </a:r>
             <a:r>
               <a:rPr kumimoji="1" lang="zh-CN" altLang="en-US" dirty="0" smtClean="0">
@@ -5400,11 +5389,7 @@
             </a:r>
             <a:r>
               <a:rPr kumimoji="1" lang="zh-CN" altLang="en-US" dirty="0" smtClean="0"/>
-              <a:t>，</a:t>
-            </a:r>
-            <a:r>
-              <a:rPr kumimoji="1" lang="zh-CN" altLang="en-US" dirty="0" smtClean="0"/>
-              <a:t>如果一对数据是同一个人，</a:t>
+              <a:t>，如果一对数据是同一个人，</a:t>
             </a:r>
             <a:r>
               <a:rPr kumimoji="1" lang="zh-CN" altLang="en-US" dirty="0" smtClean="0">
@@ -5442,11 +5427,7 @@
           <a:p>
             <a:r>
               <a:rPr kumimoji="1" lang="zh-CN" altLang="en-US" dirty="0" smtClean="0"/>
-              <a:t>最后输出一副图片</a:t>
-            </a:r>
-            <a:r>
-              <a:rPr kumimoji="1" lang="zh-CN" altLang="en-US" dirty="0" smtClean="0"/>
-              <a:t>的</a:t>
+              <a:t>最后输出一副图片的</a:t>
             </a:r>
             <a:r>
               <a:rPr kumimoji="1" lang="en-US" altLang="zh-CN" dirty="0" smtClean="0"/>
@@ -5454,11 +5435,7 @@
             </a:r>
             <a:r>
               <a:rPr kumimoji="1" lang="zh-CN" altLang="en-US" dirty="0" smtClean="0"/>
-              <a:t>维特征</a:t>
-            </a:r>
-            <a:r>
-              <a:rPr kumimoji="1" lang="zh-CN" altLang="en-US" dirty="0" smtClean="0"/>
-              <a:t>向量。</a:t>
+              <a:t>维特征向量。</a:t>
             </a:r>
             <a:endParaRPr kumimoji="1" lang="en-US" altLang="zh-CN" dirty="0" smtClean="0"/>
           </a:p>
@@ -5476,11 +5453,7 @@
             </a:r>
             <a:r>
               <a:rPr kumimoji="1" lang="zh-CN" altLang="en-US" dirty="0" smtClean="0"/>
-              <a:t>使同一个的特征向量距离更加靠近，不同的距离更远</a:t>
-            </a:r>
-            <a:r>
-              <a:rPr kumimoji="1" lang="zh-CN" altLang="en-US" dirty="0" smtClean="0"/>
-              <a:t>。</a:t>
+              <a:t>使同一个的特征向量距离更加靠近，不同的距离更远。</a:t>
             </a:r>
             <a:endParaRPr kumimoji="1" lang="en-US" altLang="zh-CN" dirty="0" smtClean="0"/>
           </a:p>
